--- a/_PythonNotebooks/_Course2_Statistics_Essentials/Mod6_Lendingclub_casestudy/Lending Club Case Study_Siddakka.pptx
+++ b/_PythonNotebooks/_Course2_Statistics_Essentials/Mod6_Lendingclub_casestudy/Lending Club Case Study_Siddakka.pptx
@@ -1029,7 +1029,7 @@
               <a:ea typeface="+mn-ea"/>
               <a:cs typeface="+mn-cs"/>
             </a:rPr>
-            <a:t>- Perform univariant analysis</a:t>
+            <a:t>- Perform univariate analysis</a:t>
           </a:r>
         </a:p>
         <a:p>
@@ -1156,7 +1156,7 @@
               <a:ea typeface="+mn-ea"/>
               <a:cs typeface="+mn-cs"/>
             </a:rPr>
-            <a:t>- Perform bivariant analysis</a:t>
+            <a:t>- Perform bivariate analysis</a:t>
           </a:r>
         </a:p>
         <a:p>
@@ -1308,7 +1308,7 @@
               <a:ea typeface="+mn-ea"/>
               <a:cs typeface="+mn-cs"/>
             </a:rPr>
-            <a:t>- Perform multivariant analysis</a:t>
+            <a:t>- Perform multi-variate analysis</a:t>
           </a:r>
         </a:p>
         <a:p>
@@ -1782,7 +1782,7 @@
               <a:ea typeface="+mn-ea"/>
               <a:cs typeface="+mn-cs"/>
             </a:rPr>
-            <a:t>- Perform univariant analysis</a:t>
+            <a:t>- Perform univariate analysis</a:t>
           </a:r>
         </a:p>
         <a:p>
@@ -1917,7 +1917,7 @@
               <a:ea typeface="+mn-ea"/>
               <a:cs typeface="+mn-cs"/>
             </a:rPr>
-            <a:t>- Perform bivariant analysis</a:t>
+            <a:t>- Perform bivariate analysis</a:t>
           </a:r>
         </a:p>
         <a:p>
@@ -2077,7 +2077,7 @@
               <a:ea typeface="+mn-ea"/>
               <a:cs typeface="+mn-cs"/>
             </a:rPr>
-            <a:t>- Perform multivariant analysis</a:t>
+            <a:t>- Perform multi-variate analysis</a:t>
           </a:r>
         </a:p>
         <a:p>
@@ -10126,7 +10126,7 @@
           <p:nvPr>
             <p:extLst>
               <p:ext uri="{D42A27DB-BD31-4B8C-83A1-F6EECF244321}">
-                <p14:modId xmlns:p14="http://schemas.microsoft.com/office/powerpoint/2010/main" val="865790184"/>
+                <p14:modId xmlns:p14="http://schemas.microsoft.com/office/powerpoint/2010/main" val="747362354"/>
               </p:ext>
             </p:extLst>
           </p:nvPr>
@@ -10437,7 +10437,7 @@
         </p:spPr>
         <p:txBody>
           <a:bodyPr>
-            <a:normAutofit lnSpcReduction="10000"/>
+            <a:normAutofit/>
           </a:bodyPr>
           <a:lstStyle/>
           <a:p>
@@ -10475,20 +10475,15 @@
                   <a:srgbClr val="0070C0"/>
                 </a:solidFill>
               </a:rPr>
-              <a:t>Risk factors identified by analyzing 2011 data, which we </a:t>
-            </a:r>
-          </a:p>
-          <a:p>
-            <a:pPr marL="0" indent="0" algn="ctr">
-              <a:buNone/>
-            </a:pPr>
-            <a:r>
-              <a:rPr lang="en-US" b="1" dirty="0">
+              <a:t>Risk factors identified by analyzing 2011 data, which is representative of the population. Highest number of loans </a:t>
+            </a:r>
+            <a:r>
+              <a:rPr lang="en-US" b="1">
                 <a:solidFill>
                   <a:srgbClr val="0070C0"/>
                 </a:solidFill>
               </a:rPr>
-              <a:t>felt is representative of the entire population</a:t>
+              <a:t>were given in this year.</a:t>
             </a:r>
             <a:endParaRPr lang="en-US" b="1" i="0" dirty="0">
               <a:solidFill>
